--- a/week_03/day_04/Presentation .pptx
+++ b/week_03/day_04/Presentation .pptx
@@ -6,11 +6,10 @@
   </p:sldMasterIdLst>
   <p:sldIdLst>
     <p:sldId id="256" r:id="rId2"/>
-    <p:sldId id="257" r:id="rId3"/>
-    <p:sldId id="258" r:id="rId4"/>
-    <p:sldId id="259" r:id="rId5"/>
-    <p:sldId id="260" r:id="rId6"/>
-    <p:sldId id="261" r:id="rId7"/>
+    <p:sldId id="258" r:id="rId3"/>
+    <p:sldId id="259" r:id="rId4"/>
+    <p:sldId id="260" r:id="rId5"/>
+    <p:sldId id="261" r:id="rId6"/>
   </p:sldIdLst>
   <p:sldSz cx="12192000" cy="6858000"/>
   <p:notesSz cx="6858000" cy="9144000"/>
@@ -109,7 +108,24 @@
       </a:defRPr>
     </a:lvl9pPr>
   </p:defaultTextStyle>
+  <p:extLst>
+    <p:ext uri="{EFAFB233-063F-42B5-8137-9DF3F51BA10A}">
+      <p15:sldGuideLst xmlns:p15="http://schemas.microsoft.com/office/powerpoint/2012/main"/>
+    </p:ext>
+  </p:extLst>
 </p:presentation>
+</file>
+
+<file path=ppt/commentAuthors.xml><?xml version="1.0" encoding="utf-8"?>
+<p:cmAuthorLst xmlns:a="http://schemas.openxmlformats.org/drawingml/2006/main" xmlns:r="http://schemas.openxmlformats.org/officeDocument/2006/relationships" xmlns:p="http://schemas.openxmlformats.org/presentationml/2006/main">
+  <p:cmAuthor id="1" name="jonat" initials="j" lastIdx="1" clrIdx="0">
+    <p:extLst>
+      <p:ext uri="{19B8F6BF-5375-455C-9EA6-DF929625EA0E}">
+        <p15:presenceInfo xmlns:p15="http://schemas.microsoft.com/office/powerpoint/2012/main" userId="jonat" providerId="None"/>
+      </p:ext>
+    </p:extLst>
+  </p:cmAuthor>
+</p:cmAuthorLst>
 </file>
 
 <file path=ppt/slideLayouts/slideLayout1.xml><?xml version="1.0" encoding="utf-8"?>
@@ -261,7 +277,7 @@
           <a:p>
             <a:fld id="{BEA09E3E-9560-4E02-AB17-CBE2109100AD}" type="datetimeFigureOut">
               <a:rPr lang="en-GB" smtClean="0"/>
-              <a:t>16/04/2021</a:t>
+              <a:t>17/04/2021</a:t>
             </a:fld>
             <a:endParaRPr lang="en-GB"/>
           </a:p>
@@ -461,7 +477,7 @@
           <a:p>
             <a:fld id="{BEA09E3E-9560-4E02-AB17-CBE2109100AD}" type="datetimeFigureOut">
               <a:rPr lang="en-GB" smtClean="0"/>
-              <a:t>16/04/2021</a:t>
+              <a:t>17/04/2021</a:t>
             </a:fld>
             <a:endParaRPr lang="en-GB"/>
           </a:p>
@@ -671,7 +687,7 @@
           <a:p>
             <a:fld id="{BEA09E3E-9560-4E02-AB17-CBE2109100AD}" type="datetimeFigureOut">
               <a:rPr lang="en-GB" smtClean="0"/>
-              <a:t>16/04/2021</a:t>
+              <a:t>17/04/2021</a:t>
             </a:fld>
             <a:endParaRPr lang="en-GB"/>
           </a:p>
@@ -871,7 +887,7 @@
           <a:p>
             <a:fld id="{BEA09E3E-9560-4E02-AB17-CBE2109100AD}" type="datetimeFigureOut">
               <a:rPr lang="en-GB" smtClean="0"/>
-              <a:t>16/04/2021</a:t>
+              <a:t>17/04/2021</a:t>
             </a:fld>
             <a:endParaRPr lang="en-GB"/>
           </a:p>
@@ -1147,7 +1163,7 @@
           <a:p>
             <a:fld id="{BEA09E3E-9560-4E02-AB17-CBE2109100AD}" type="datetimeFigureOut">
               <a:rPr lang="en-GB" smtClean="0"/>
-              <a:t>16/04/2021</a:t>
+              <a:t>17/04/2021</a:t>
             </a:fld>
             <a:endParaRPr lang="en-GB"/>
           </a:p>
@@ -1415,7 +1431,7 @@
           <a:p>
             <a:fld id="{BEA09E3E-9560-4E02-AB17-CBE2109100AD}" type="datetimeFigureOut">
               <a:rPr lang="en-GB" smtClean="0"/>
-              <a:t>16/04/2021</a:t>
+              <a:t>17/04/2021</a:t>
             </a:fld>
             <a:endParaRPr lang="en-GB"/>
           </a:p>
@@ -1830,7 +1846,7 @@
           <a:p>
             <a:fld id="{BEA09E3E-9560-4E02-AB17-CBE2109100AD}" type="datetimeFigureOut">
               <a:rPr lang="en-GB" smtClean="0"/>
-              <a:t>16/04/2021</a:t>
+              <a:t>17/04/2021</a:t>
             </a:fld>
             <a:endParaRPr lang="en-GB"/>
           </a:p>
@@ -1972,7 +1988,7 @@
           <a:p>
             <a:fld id="{BEA09E3E-9560-4E02-AB17-CBE2109100AD}" type="datetimeFigureOut">
               <a:rPr lang="en-GB" smtClean="0"/>
-              <a:t>16/04/2021</a:t>
+              <a:t>17/04/2021</a:t>
             </a:fld>
             <a:endParaRPr lang="en-GB"/>
           </a:p>
@@ -2085,7 +2101,7 @@
           <a:p>
             <a:fld id="{BEA09E3E-9560-4E02-AB17-CBE2109100AD}" type="datetimeFigureOut">
               <a:rPr lang="en-GB" smtClean="0"/>
-              <a:t>16/04/2021</a:t>
+              <a:t>17/04/2021</a:t>
             </a:fld>
             <a:endParaRPr lang="en-GB"/>
           </a:p>
@@ -2398,7 +2414,7 @@
           <a:p>
             <a:fld id="{BEA09E3E-9560-4E02-AB17-CBE2109100AD}" type="datetimeFigureOut">
               <a:rPr lang="en-GB" smtClean="0"/>
-              <a:t>16/04/2021</a:t>
+              <a:t>17/04/2021</a:t>
             </a:fld>
             <a:endParaRPr lang="en-GB"/>
           </a:p>
@@ -2687,7 +2703,7 @@
           <a:p>
             <a:fld id="{BEA09E3E-9560-4E02-AB17-CBE2109100AD}" type="datetimeFigureOut">
               <a:rPr lang="en-GB" smtClean="0"/>
-              <a:t>16/04/2021</a:t>
+              <a:t>17/04/2021</a:t>
             </a:fld>
             <a:endParaRPr lang="en-GB"/>
           </a:p>
@@ -2930,7 +2946,7 @@
           <a:p>
             <a:fld id="{BEA09E3E-9560-4E02-AB17-CBE2109100AD}" type="datetimeFigureOut">
               <a:rPr lang="en-GB" smtClean="0"/>
-              <a:t>16/04/2021</a:t>
+              <a:t>17/04/2021</a:t>
             </a:fld>
             <a:endParaRPr lang="en-GB"/>
           </a:p>
@@ -3963,6 +3979,16 @@
           <a:bodyPr/>
           <a:lstStyle/>
           <a:p>
+            <a:r>
+              <a:rPr lang="en-US" sz="4400" b="0" i="0" dirty="0">
+                <a:solidFill>
+                  <a:schemeClr val="bg1"/>
+                </a:solidFill>
+                <a:effectLst/>
+                <a:latin typeface="Slack-Lato"/>
+              </a:rPr>
+              <a:t>Cambridge Analytica Scandal</a:t>
+            </a:r>
             <a:endParaRPr lang="en-GB" dirty="0">
               <a:solidFill>
                 <a:schemeClr val="bg1"/>
@@ -3998,7 +4024,7 @@
                   <a:schemeClr val="bg1"/>
                 </a:solidFill>
               </a:rPr>
-              <a:t>What was the scandal about</a:t>
+              <a:t>2014 a paid quiz was sent out for which you had to log into you Facebook account</a:t>
             </a:r>
           </a:p>
           <a:p>
@@ -4008,32 +4034,58 @@
                   <a:schemeClr val="bg1"/>
                 </a:solidFill>
               </a:rPr>
-              <a:t>Targeted campaigns </a:t>
-            </a:r>
-          </a:p>
-          <a:p>
+              <a:t>The but taking the quiz you had the option of sharing your information</a:t>
+            </a:r>
+          </a:p>
+          <a:p>
+            <a:pPr lvl="1"/>
             <a:r>
               <a:rPr lang="en-GB" dirty="0">
                 <a:solidFill>
                   <a:schemeClr val="bg1"/>
                 </a:solidFill>
               </a:rPr>
-              <a:t>The effects of the scandal</a:t>
-            </a:r>
-          </a:p>
-          <a:p>
-            <a:endParaRPr lang="en-GB" dirty="0">
-              <a:solidFill>
-                <a:schemeClr val="bg1"/>
-              </a:solidFill>
-            </a:endParaRPr>
+              <a:t>Birthday</a:t>
+            </a:r>
+          </a:p>
+          <a:p>
+            <a:pPr lvl="1"/>
+            <a:r>
+              <a:rPr lang="en-GB" dirty="0">
+                <a:solidFill>
+                  <a:schemeClr val="bg1"/>
+                </a:solidFill>
+              </a:rPr>
+              <a:t>Location </a:t>
+            </a:r>
+          </a:p>
+          <a:p>
+            <a:pPr lvl="1"/>
+            <a:r>
+              <a:rPr lang="en-GB" dirty="0">
+                <a:solidFill>
+                  <a:schemeClr val="bg1"/>
+                </a:solidFill>
+              </a:rPr>
+              <a:t>Likes</a:t>
+            </a:r>
+          </a:p>
+          <a:p>
+            <a:r>
+              <a:rPr lang="en-GB" dirty="0">
+                <a:solidFill>
+                  <a:schemeClr val="bg1"/>
+                </a:solidFill>
+              </a:rPr>
+              <a:t> But by sharing you information, you gave access to you friends accounts as well</a:t>
+            </a:r>
           </a:p>
         </p:txBody>
       </p:sp>
     </p:spTree>
     <p:extLst>
       <p:ext uri="{BB962C8B-B14F-4D97-AF65-F5344CB8AC3E}">
-        <p14:creationId xmlns:p14="http://schemas.microsoft.com/office/powerpoint/2010/main" val="4210163743"/>
+        <p14:creationId xmlns:p14="http://schemas.microsoft.com/office/powerpoint/2010/main" val="2284623260"/>
       </p:ext>
     </p:extLst>
   </p:cSld>
@@ -4090,20 +4142,14 @@
           <a:lstStyle/>
           <a:p>
             <a:r>
-              <a:rPr lang="en-US" sz="4400" b="0" i="0" dirty="0">
+              <a:rPr lang="en-GB" dirty="0">
                 <a:solidFill>
                   <a:schemeClr val="bg1"/>
                 </a:solidFill>
-                <a:effectLst/>
                 <a:latin typeface="Slack-Lato"/>
               </a:rPr>
-              <a:t>Cambridge Analytica Scandal</a:t>
-            </a:r>
-            <a:endParaRPr lang="en-GB" dirty="0">
-              <a:solidFill>
-                <a:schemeClr val="bg1"/>
-              </a:solidFill>
-            </a:endParaRPr>
+              <a:t>How was the information used</a:t>
+            </a:r>
           </a:p>
         </p:txBody>
       </p:sp>
@@ -4134,7 +4180,7 @@
                   <a:schemeClr val="bg1"/>
                 </a:solidFill>
               </a:rPr>
-              <a:t>2014 a paid quiz was sent out for which you had to log into you Facebook account</a:t>
+              <a:t>From the data a personality profile was created for you and your friends.</a:t>
             </a:r>
           </a:p>
           <a:p>
@@ -4144,50 +4190,17 @@
                   <a:schemeClr val="bg1"/>
                 </a:solidFill>
               </a:rPr>
-              <a:t>The but taking the quiz you had the option of sharing your information</a:t>
-            </a:r>
-          </a:p>
-          <a:p>
-            <a:pPr lvl="1"/>
+              <a:t> These profiles were at the heart of CA’s model to target people for political messages.</a:t>
+            </a:r>
+          </a:p>
+          <a:p>
             <a:r>
               <a:rPr lang="en-GB" dirty="0">
                 <a:solidFill>
                   <a:schemeClr val="bg1"/>
                 </a:solidFill>
               </a:rPr>
-              <a:t>Birthday</a:t>
-            </a:r>
-          </a:p>
-          <a:p>
-            <a:pPr lvl="1"/>
-            <a:r>
-              <a:rPr lang="en-GB" dirty="0">
-                <a:solidFill>
-                  <a:schemeClr val="bg1"/>
-                </a:solidFill>
-              </a:rPr>
-              <a:t>Location </a:t>
-            </a:r>
-          </a:p>
-          <a:p>
-            <a:pPr lvl="1"/>
-            <a:r>
-              <a:rPr lang="en-GB" dirty="0">
-                <a:solidFill>
-                  <a:schemeClr val="bg1"/>
-                </a:solidFill>
-              </a:rPr>
-              <a:t>Likes</a:t>
-            </a:r>
-          </a:p>
-          <a:p>
-            <a:r>
-              <a:rPr lang="en-GB" dirty="0">
-                <a:solidFill>
-                  <a:schemeClr val="bg1"/>
-                </a:solidFill>
-              </a:rPr>
-              <a:t> But by sharing you information, you gave access to you friends accounts as well</a:t>
+              <a:t>Claims say this helped the Trump Campaign win the election.</a:t>
             </a:r>
           </a:p>
         </p:txBody>
@@ -4195,7 +4208,7 @@
     </p:spTree>
     <p:extLst>
       <p:ext uri="{BB962C8B-B14F-4D97-AF65-F5344CB8AC3E}">
-        <p14:creationId xmlns:p14="http://schemas.microsoft.com/office/powerpoint/2010/main" val="2284623260"/>
+        <p14:creationId xmlns:p14="http://schemas.microsoft.com/office/powerpoint/2010/main" val="3880329550"/>
       </p:ext>
     </p:extLst>
   </p:cSld>
@@ -4258,7 +4271,7 @@
                 </a:solidFill>
                 <a:latin typeface="Slack-Lato"/>
               </a:rPr>
-              <a:t>How was the information used</a:t>
+              <a:t>Is it ethical? </a:t>
             </a:r>
           </a:p>
         </p:txBody>
@@ -4290,27 +4303,79 @@
                   <a:schemeClr val="bg1"/>
                 </a:solidFill>
               </a:rPr>
-              <a:t>From the data a personality profile was created for you and your friends.</a:t>
-            </a:r>
-          </a:p>
-          <a:p>
+              <a:t>Targeted messages have been used for centuries </a:t>
+            </a:r>
+          </a:p>
+          <a:p>
+            <a:pPr lvl="1"/>
             <a:r>
               <a:rPr lang="en-GB" dirty="0">
                 <a:solidFill>
                   <a:schemeClr val="bg1"/>
                 </a:solidFill>
               </a:rPr>
-              <a:t> These profiles were at the heart of CA’s model to target people for political messages.</a:t>
-            </a:r>
-          </a:p>
-          <a:p>
+              <a:t>We see it in </a:t>
+            </a:r>
+            <a:r>
+              <a:rPr lang="en-GB" b="0" i="0" dirty="0">
+                <a:solidFill>
+                  <a:schemeClr val="bg1"/>
+                </a:solidFill>
+                <a:effectLst/>
+                <a:latin typeface="Google Sans"/>
+              </a:rPr>
+              <a:t>Julius Caesar’s </a:t>
+            </a:r>
             <a:r>
               <a:rPr lang="en-GB" dirty="0">
                 <a:solidFill>
                   <a:schemeClr val="bg1"/>
                 </a:solidFill>
               </a:rPr>
-              <a:t>Claims say this helped the Trump Campaign win the election.</a:t>
+              <a:t>play by William Shakespeare</a:t>
+            </a:r>
+          </a:p>
+          <a:p>
+            <a:pPr lvl="1"/>
+            <a:r>
+              <a:rPr lang="en-GB" dirty="0">
+                <a:solidFill>
+                  <a:schemeClr val="bg1"/>
+                </a:solidFill>
+              </a:rPr>
+              <a:t>We see it political mail </a:t>
+            </a:r>
+          </a:p>
+          <a:p>
+            <a:pPr lvl="1"/>
+            <a:r>
+              <a:rPr lang="en-GB" dirty="0">
+                <a:solidFill>
+                  <a:schemeClr val="bg1"/>
+                </a:solidFill>
+              </a:rPr>
+              <a:t>We see it used by amazon everyday</a:t>
+            </a:r>
+          </a:p>
+          <a:p>
+            <a:r>
+              <a:rPr lang="en-GB" dirty="0">
+                <a:solidFill>
+                  <a:schemeClr val="bg1"/>
+                </a:solidFill>
+              </a:rPr>
+              <a:t>Should they have taken the information of your friends when they did not subscribe to the test?</a:t>
+            </a:r>
+          </a:p>
+          <a:p>
+            <a:pPr lvl="1"/>
+            <a:r>
+              <a:rPr lang="en-GB" dirty="0">
+                <a:solidFill>
+                  <a:schemeClr val="bg1"/>
+                </a:solidFill>
+              </a:rPr>
+              <a:t>The ethical question</a:t>
             </a:r>
           </a:p>
         </p:txBody>
@@ -4318,7 +4383,7 @@
     </p:spTree>
     <p:extLst>
       <p:ext uri="{BB962C8B-B14F-4D97-AF65-F5344CB8AC3E}">
-        <p14:creationId xmlns:p14="http://schemas.microsoft.com/office/powerpoint/2010/main" val="3880329550"/>
+        <p14:creationId xmlns:p14="http://schemas.microsoft.com/office/powerpoint/2010/main" val="3403202674"/>
       </p:ext>
     </p:extLst>
   </p:cSld>
@@ -4381,202 +4446,6 @@
                 </a:solidFill>
                 <a:latin typeface="Slack-Lato"/>
               </a:rPr>
-              <a:t>Is it ethical? </a:t>
-            </a:r>
-          </a:p>
-        </p:txBody>
-      </p:sp>
-      <p:sp>
-        <p:nvSpPr>
-          <p:cNvPr id="3" name="Content Placeholder 2">
-            <a:extLst>
-              <a:ext uri="{FF2B5EF4-FFF2-40B4-BE49-F238E27FC236}">
-                <a16:creationId xmlns:a16="http://schemas.microsoft.com/office/drawing/2014/main" id="{406BA7AA-5D6D-4880-AA09-BBA6B9A11A55}"/>
-              </a:ext>
-            </a:extLst>
-          </p:cNvPr>
-          <p:cNvSpPr>
-            <a:spLocks noGrp="1"/>
-          </p:cNvSpPr>
-          <p:nvPr>
-            <p:ph idx="1"/>
-          </p:nvPr>
-        </p:nvSpPr>
-        <p:spPr/>
-        <p:txBody>
-          <a:bodyPr/>
-          <a:lstStyle/>
-          <a:p>
-            <a:r>
-              <a:rPr lang="en-GB" dirty="0">
-                <a:solidFill>
-                  <a:schemeClr val="bg1"/>
-                </a:solidFill>
-              </a:rPr>
-              <a:t>Targeted messages have been used for centuries </a:t>
-            </a:r>
-          </a:p>
-          <a:p>
-            <a:pPr lvl="1"/>
-            <a:r>
-              <a:rPr lang="en-GB" dirty="0">
-                <a:solidFill>
-                  <a:schemeClr val="bg1"/>
-                </a:solidFill>
-              </a:rPr>
-              <a:t>We see it in </a:t>
-            </a:r>
-            <a:r>
-              <a:rPr lang="en-GB" b="0" i="0" dirty="0">
-                <a:solidFill>
-                  <a:schemeClr val="bg1"/>
-                </a:solidFill>
-                <a:effectLst/>
-                <a:latin typeface="Google Sans"/>
-              </a:rPr>
-              <a:t>Julius Caesar’s </a:t>
-            </a:r>
-            <a:r>
-              <a:rPr lang="en-GB" dirty="0">
-                <a:solidFill>
-                  <a:schemeClr val="bg1"/>
-                </a:solidFill>
-              </a:rPr>
-              <a:t>play by William Shakespeare</a:t>
-            </a:r>
-          </a:p>
-          <a:p>
-            <a:pPr lvl="1"/>
-            <a:r>
-              <a:rPr lang="en-GB" dirty="0">
-                <a:solidFill>
-                  <a:schemeClr val="bg1"/>
-                </a:solidFill>
-              </a:rPr>
-              <a:t>We see it political mail we through the mail box </a:t>
-            </a:r>
-          </a:p>
-          <a:p>
-            <a:pPr lvl="1"/>
-            <a:r>
-              <a:rPr lang="en-GB" dirty="0">
-                <a:solidFill>
-                  <a:schemeClr val="bg1"/>
-                </a:solidFill>
-              </a:rPr>
-              <a:t>We see it used by amazon everyday</a:t>
-            </a:r>
-          </a:p>
-          <a:p>
-            <a:pPr lvl="1"/>
-            <a:r>
-              <a:rPr lang="en-GB" dirty="0">
-                <a:solidFill>
-                  <a:schemeClr val="bg1"/>
-                </a:solidFill>
-              </a:rPr>
-              <a:t>There are everywhere</a:t>
-            </a:r>
-          </a:p>
-          <a:p>
-            <a:r>
-              <a:rPr lang="en-GB" dirty="0">
-                <a:solidFill>
-                  <a:schemeClr val="bg1"/>
-                </a:solidFill>
-              </a:rPr>
-              <a:t>If targeted messaging applies to Cambridge Analytica surely it applies to everyone</a:t>
-            </a:r>
-          </a:p>
-          <a:p>
-            <a:r>
-              <a:rPr lang="en-GB" dirty="0">
-                <a:solidFill>
-                  <a:schemeClr val="bg1"/>
-                </a:solidFill>
-              </a:rPr>
-              <a:t>Should it have taken the information of your friends when they did not subscribe to the test?</a:t>
-            </a:r>
-          </a:p>
-          <a:p>
-            <a:pPr lvl="1"/>
-            <a:r>
-              <a:rPr lang="en-GB" dirty="0">
-                <a:solidFill>
-                  <a:schemeClr val="bg1"/>
-                </a:solidFill>
-              </a:rPr>
-              <a:t>The ethical question</a:t>
-            </a:r>
-          </a:p>
-        </p:txBody>
-      </p:sp>
-    </p:spTree>
-    <p:extLst>
-      <p:ext uri="{BB962C8B-B14F-4D97-AF65-F5344CB8AC3E}">
-        <p14:creationId xmlns:p14="http://schemas.microsoft.com/office/powerpoint/2010/main" val="3403202674"/>
-      </p:ext>
-    </p:extLst>
-  </p:cSld>
-  <p:clrMapOvr>
-    <a:masterClrMapping/>
-  </p:clrMapOvr>
-</p:sld>
-</file>
-
-<file path=ppt/slides/slide6.xml><?xml version="1.0" encoding="utf-8"?>
-<p:sld xmlns:a="http://schemas.openxmlformats.org/drawingml/2006/main" xmlns:r="http://schemas.openxmlformats.org/officeDocument/2006/relationships" xmlns:p="http://schemas.openxmlformats.org/presentationml/2006/main">
-  <p:cSld>
-    <p:bg>
-      <p:bgPr>
-        <a:solidFill>
-          <a:schemeClr val="tx1"/>
-        </a:solidFill>
-        <a:effectLst/>
-      </p:bgPr>
-    </p:bg>
-    <p:spTree>
-      <p:nvGrpSpPr>
-        <p:cNvPr id="1" name=""/>
-        <p:cNvGrpSpPr/>
-        <p:nvPr/>
-      </p:nvGrpSpPr>
-      <p:grpSpPr>
-        <a:xfrm>
-          <a:off x="0" y="0"/>
-          <a:ext cx="0" cy="0"/>
-          <a:chOff x="0" y="0"/>
-          <a:chExt cx="0" cy="0"/>
-        </a:xfrm>
-      </p:grpSpPr>
-      <p:sp>
-        <p:nvSpPr>
-          <p:cNvPr id="2" name="Title 1">
-            <a:extLst>
-              <a:ext uri="{FF2B5EF4-FFF2-40B4-BE49-F238E27FC236}">
-                <a16:creationId xmlns:a16="http://schemas.microsoft.com/office/drawing/2014/main" id="{28236B84-B0C6-4E0D-9957-1CAD66BA3E6C}"/>
-              </a:ext>
-            </a:extLst>
-          </p:cNvPr>
-          <p:cNvSpPr>
-            <a:spLocks noGrp="1"/>
-          </p:cNvSpPr>
-          <p:nvPr>
-            <p:ph type="title"/>
-          </p:nvPr>
-        </p:nvSpPr>
-        <p:spPr/>
-        <p:txBody>
-          <a:bodyPr/>
-          <a:lstStyle/>
-          <a:p>
-            <a:r>
-              <a:rPr lang="en-GB" dirty="0">
-                <a:solidFill>
-                  <a:schemeClr val="bg1"/>
-                </a:solidFill>
-                <a:latin typeface="Slack-Lato"/>
-              </a:rPr>
               <a:t>How do we Stop it?</a:t>
             </a:r>
           </a:p>
@@ -4606,7 +4475,7 @@
         </p:spPr>
         <p:txBody>
           <a:bodyPr>
-            <a:normAutofit lnSpcReduction="10000"/>
+            <a:normAutofit/>
           </a:bodyPr>
           <a:lstStyle/>
           <a:p>
@@ -4638,7 +4507,7 @@
                   <a:schemeClr val="bg1"/>
                 </a:solidFill>
               </a:rPr>
-              <a:t>If it is, surely all Targeted messaging is unethical</a:t>
+              <a:t>Is all targeted messaging is unethical?</a:t>
             </a:r>
           </a:p>
           <a:p>
@@ -4696,17 +4565,6 @@
             </a:r>
           </a:p>
           <a:p>
-            <a:pPr lvl="3"/>
-            <a:r>
-              <a:rPr lang="en-GB" dirty="0">
-                <a:solidFill>
-                  <a:schemeClr val="bg1"/>
-                </a:solidFill>
-              </a:rPr>
-              <a:t>Need to fill a check sheet for every site you go to.</a:t>
-            </a:r>
-          </a:p>
-          <a:p>
             <a:r>
               <a:rPr lang="en-GB" dirty="0">
                 <a:solidFill>
@@ -4719,12 +4577,20 @@
           <a:p>
             <a:pPr lvl="1"/>
             <a:r>
+              <a:rPr lang="en-GB">
+                <a:solidFill>
+                  <a:schemeClr val="bg1"/>
+                </a:solidFill>
+              </a:rPr>
+              <a:t>Know that </a:t>
+            </a:r>
+            <a:r>
               <a:rPr lang="en-GB" dirty="0">
                 <a:solidFill>
                   <a:schemeClr val="bg1"/>
                 </a:solidFill>
               </a:rPr>
-              <a:t>Know that we our data is being used everyday</a:t>
+              <a:t>our data is being used everyday</a:t>
             </a:r>
           </a:p>
           <a:p>
@@ -4735,7 +4601,7 @@
                   <a:schemeClr val="bg1"/>
                 </a:solidFill>
               </a:rPr>
-              <a:t>Do more research ourselves – Adults and not infants</a:t>
+              <a:t>Do more research ourselves – Adults and not Infants</a:t>
             </a:r>
           </a:p>
         </p:txBody>
